--- a/Presentation/MMO RPG.pptx
+++ b/Presentation/MMO RPG.pptx
@@ -26659,7 +26659,7 @@
           <a:p>
             <a:fld id="{DD19B816-EDBE-4226-8EA7-777F09D97552}" type="datetimeFigureOut">
               <a:rPr lang="en-CA" smtClean="0"/>
-              <a:t>2023-02-05</a:t>
+              <a:t>2023-02-06</a:t>
             </a:fld>
             <a:endParaRPr lang="en-CA"/>
           </a:p>
@@ -26829,7 +26829,7 @@
           <a:p>
             <a:fld id="{DD19B816-EDBE-4226-8EA7-777F09D97552}" type="datetimeFigureOut">
               <a:rPr lang="en-CA" smtClean="0"/>
-              <a:t>2023-02-05</a:t>
+              <a:t>2023-02-06</a:t>
             </a:fld>
             <a:endParaRPr lang="en-CA"/>
           </a:p>
@@ -27009,7 +27009,7 @@
           <a:p>
             <a:fld id="{DD19B816-EDBE-4226-8EA7-777F09D97552}" type="datetimeFigureOut">
               <a:rPr lang="en-CA" smtClean="0"/>
-              <a:t>2023-02-05</a:t>
+              <a:t>2023-02-06</a:t>
             </a:fld>
             <a:endParaRPr lang="en-CA"/>
           </a:p>
@@ -27179,7 +27179,7 @@
           <a:p>
             <a:fld id="{DD19B816-EDBE-4226-8EA7-777F09D97552}" type="datetimeFigureOut">
               <a:rPr lang="en-CA" smtClean="0"/>
-              <a:t>2023-02-05</a:t>
+              <a:t>2023-02-06</a:t>
             </a:fld>
             <a:endParaRPr lang="en-CA"/>
           </a:p>
@@ -27447,7 +27447,7 @@
           <a:p>
             <a:fld id="{DD19B816-EDBE-4226-8EA7-777F09D97552}" type="datetimeFigureOut">
               <a:rPr lang="en-CA" smtClean="0"/>
-              <a:t>2023-02-05</a:t>
+              <a:t>2023-02-06</a:t>
             </a:fld>
             <a:endParaRPr lang="en-CA"/>
           </a:p>
@@ -27679,7 +27679,7 @@
           <a:p>
             <a:fld id="{DD19B816-EDBE-4226-8EA7-777F09D97552}" type="datetimeFigureOut">
               <a:rPr lang="en-CA" smtClean="0"/>
-              <a:t>2023-02-05</a:t>
+              <a:t>2023-02-06</a:t>
             </a:fld>
             <a:endParaRPr lang="en-CA"/>
           </a:p>
@@ -28034,7 +28034,7 @@
           <a:p>
             <a:fld id="{DD19B816-EDBE-4226-8EA7-777F09D97552}" type="datetimeFigureOut">
               <a:rPr lang="en-CA" smtClean="0"/>
-              <a:t>2023-02-05</a:t>
+              <a:t>2023-02-06</a:t>
             </a:fld>
             <a:endParaRPr lang="en-CA"/>
           </a:p>
@@ -28175,7 +28175,7 @@
           <a:p>
             <a:fld id="{DD19B816-EDBE-4226-8EA7-777F09D97552}" type="datetimeFigureOut">
               <a:rPr lang="en-CA" smtClean="0"/>
-              <a:t>2023-02-05</a:t>
+              <a:t>2023-02-06</a:t>
             </a:fld>
             <a:endParaRPr lang="en-CA"/>
           </a:p>
@@ -28270,7 +28270,7 @@
           <a:p>
             <a:fld id="{DD19B816-EDBE-4226-8EA7-777F09D97552}" type="datetimeFigureOut">
               <a:rPr lang="en-CA" smtClean="0"/>
-              <a:t>2023-02-05</a:t>
+              <a:t>2023-02-06</a:t>
             </a:fld>
             <a:endParaRPr lang="en-CA"/>
           </a:p>
@@ -28632,7 +28632,7 @@
           <a:p>
             <a:fld id="{DD19B816-EDBE-4226-8EA7-777F09D97552}" type="datetimeFigureOut">
               <a:rPr lang="en-CA" smtClean="0"/>
-              <a:t>2023-02-05</a:t>
+              <a:t>2023-02-06</a:t>
             </a:fld>
             <a:endParaRPr lang="en-CA"/>
           </a:p>
@@ -28994,7 +28994,7 @@
           <a:p>
             <a:fld id="{DD19B816-EDBE-4226-8EA7-777F09D97552}" type="datetimeFigureOut">
               <a:rPr lang="en-CA" smtClean="0"/>
-              <a:t>2023-02-05</a:t>
+              <a:t>2023-02-06</a:t>
             </a:fld>
             <a:endParaRPr lang="en-CA"/>
           </a:p>
@@ -29238,7 +29238,7 @@
           <a:p>
             <a:fld id="{DD19B816-EDBE-4226-8EA7-777F09D97552}" type="datetimeFigureOut">
               <a:rPr lang="en-CA" smtClean="0"/>
-              <a:t>2023-02-05</a:t>
+              <a:t>2023-02-06</a:t>
             </a:fld>
             <a:endParaRPr lang="en-CA"/>
           </a:p>
@@ -34655,13 +34655,13 @@
   <p:clrMapOvr>
     <a:masterClrMapping/>
   </p:clrMapOvr>
-  <mc:AlternateContent xmlns:mc="http://schemas.openxmlformats.org/markup-compatibility/2006">
-    <mc:Choice xmlns:p14="http://schemas.microsoft.com/office/powerpoint/2010/main" Requires="p14">
+  <mc:AlternateContent xmlns:mc="http://schemas.openxmlformats.org/markup-compatibility/2006" xmlns:p14="http://schemas.microsoft.com/office/powerpoint/2010/main">
+    <mc:Choice Requires="p14">
       <p:transition spd="slow" p14:dur="1300">
         <p14:pan dir="u"/>
       </p:transition>
     </mc:Choice>
-    <mc:Fallback>
+    <mc:Fallback xmlns="">
       <p:transition spd="slow">
         <p:fade/>
       </p:transition>
